--- a/Polo Insurance.pptx
+++ b/Polo Insurance.pptx
@@ -289,7 +289,7 @@
           <a:p>
             <a:fld id="{5D987029-FC4C-466A-8643-336E1F3CFEC1}" type="datetimeFigureOut">
               <a:rPr lang="en-IE" smtClean="0"/>
-              <a:t>13/12/2017</a:t>
+              <a:t>14/12/2017</a:t>
             </a:fld>
             <a:endParaRPr lang="en-IE"/>
           </a:p>
@@ -601,7 +601,7 @@
           <a:p>
             <a:fld id="{5D987029-FC4C-466A-8643-336E1F3CFEC1}" type="datetimeFigureOut">
               <a:rPr lang="en-IE" smtClean="0"/>
-              <a:t>13/12/2017</a:t>
+              <a:t>14/12/2017</a:t>
             </a:fld>
             <a:endParaRPr lang="en-IE"/>
           </a:p>
@@ -823,7 +823,7 @@
           <a:p>
             <a:fld id="{5D987029-FC4C-466A-8643-336E1F3CFEC1}" type="datetimeFigureOut">
               <a:rPr lang="en-IE" smtClean="0"/>
-              <a:t>13/12/2017</a:t>
+              <a:t>14/12/2017</a:t>
             </a:fld>
             <a:endParaRPr lang="en-IE"/>
           </a:p>
@@ -1114,7 +1114,7 @@
           <a:p>
             <a:fld id="{5D987029-FC4C-466A-8643-336E1F3CFEC1}" type="datetimeFigureOut">
               <a:rPr lang="en-IE" smtClean="0"/>
-              <a:t>13/12/2017</a:t>
+              <a:t>14/12/2017</a:t>
             </a:fld>
             <a:endParaRPr lang="en-IE"/>
           </a:p>
@@ -1568,7 +1568,7 @@
           <a:p>
             <a:fld id="{5D987029-FC4C-466A-8643-336E1F3CFEC1}" type="datetimeFigureOut">
               <a:rPr lang="en-IE" smtClean="0"/>
-              <a:t>13/12/2017</a:t>
+              <a:t>14/12/2017</a:t>
             </a:fld>
             <a:endParaRPr lang="en-IE"/>
           </a:p>
@@ -2144,7 +2144,7 @@
           <a:p>
             <a:fld id="{5D987029-FC4C-466A-8643-336E1F3CFEC1}" type="datetimeFigureOut">
               <a:rPr lang="en-IE" smtClean="0"/>
-              <a:t>13/12/2017</a:t>
+              <a:t>14/12/2017</a:t>
             </a:fld>
             <a:endParaRPr lang="en-IE"/>
           </a:p>
@@ -2996,7 +2996,7 @@
           <a:p>
             <a:fld id="{5D987029-FC4C-466A-8643-336E1F3CFEC1}" type="datetimeFigureOut">
               <a:rPr lang="en-IE" smtClean="0"/>
-              <a:t>13/12/2017</a:t>
+              <a:t>14/12/2017</a:t>
             </a:fld>
             <a:endParaRPr lang="en-IE"/>
           </a:p>
@@ -3201,7 +3201,7 @@
           <a:p>
             <a:fld id="{5D987029-FC4C-466A-8643-336E1F3CFEC1}" type="datetimeFigureOut">
               <a:rPr lang="en-IE" smtClean="0"/>
-              <a:t>13/12/2017</a:t>
+              <a:t>14/12/2017</a:t>
             </a:fld>
             <a:endParaRPr lang="en-IE"/>
           </a:p>
@@ -3415,7 +3415,7 @@
           <a:p>
             <a:fld id="{5D987029-FC4C-466A-8643-336E1F3CFEC1}" type="datetimeFigureOut">
               <a:rPr lang="en-IE" smtClean="0"/>
-              <a:t>13/12/2017</a:t>
+              <a:t>14/12/2017</a:t>
             </a:fld>
             <a:endParaRPr lang="en-IE"/>
           </a:p>
@@ -3620,7 +3620,7 @@
           <a:p>
             <a:fld id="{5D987029-FC4C-466A-8643-336E1F3CFEC1}" type="datetimeFigureOut">
               <a:rPr lang="en-IE" smtClean="0"/>
-              <a:t>13/12/2017</a:t>
+              <a:t>14/12/2017</a:t>
             </a:fld>
             <a:endParaRPr lang="en-IE"/>
           </a:p>
@@ -3900,7 +3900,7 @@
           <a:p>
             <a:fld id="{5D987029-FC4C-466A-8643-336E1F3CFEC1}" type="datetimeFigureOut">
               <a:rPr lang="en-IE" smtClean="0"/>
-              <a:t>13/12/2017</a:t>
+              <a:t>14/12/2017</a:t>
             </a:fld>
             <a:endParaRPr lang="en-IE"/>
           </a:p>
@@ -4167,7 +4167,7 @@
           <a:p>
             <a:fld id="{5D987029-FC4C-466A-8643-336E1F3CFEC1}" type="datetimeFigureOut">
               <a:rPr lang="en-IE" smtClean="0"/>
-              <a:t>13/12/2017</a:t>
+              <a:t>14/12/2017</a:t>
             </a:fld>
             <a:endParaRPr lang="en-IE"/>
           </a:p>
@@ -4582,7 +4582,7 @@
           <a:p>
             <a:fld id="{5D987029-FC4C-466A-8643-336E1F3CFEC1}" type="datetimeFigureOut">
               <a:rPr lang="en-IE" smtClean="0"/>
-              <a:t>13/12/2017</a:t>
+              <a:t>14/12/2017</a:t>
             </a:fld>
             <a:endParaRPr lang="en-IE"/>
           </a:p>
@@ -4730,7 +4730,7 @@
           <a:p>
             <a:fld id="{5D987029-FC4C-466A-8643-336E1F3CFEC1}" type="datetimeFigureOut">
               <a:rPr lang="en-IE" smtClean="0"/>
-              <a:t>13/12/2017</a:t>
+              <a:t>14/12/2017</a:t>
             </a:fld>
             <a:endParaRPr lang="en-IE"/>
           </a:p>
@@ -4855,7 +4855,7 @@
           <a:p>
             <a:fld id="{5D987029-FC4C-466A-8643-336E1F3CFEC1}" type="datetimeFigureOut">
               <a:rPr lang="en-IE" smtClean="0"/>
-              <a:t>13/12/2017</a:t>
+              <a:t>14/12/2017</a:t>
             </a:fld>
             <a:endParaRPr lang="en-IE"/>
           </a:p>
@@ -5134,7 +5134,7 @@
           <a:p>
             <a:fld id="{5D987029-FC4C-466A-8643-336E1F3CFEC1}" type="datetimeFigureOut">
               <a:rPr lang="en-IE" smtClean="0"/>
-              <a:t>13/12/2017</a:t>
+              <a:t>14/12/2017</a:t>
             </a:fld>
             <a:endParaRPr lang="en-IE"/>
           </a:p>
@@ -5446,7 +5446,7 @@
           <a:p>
             <a:fld id="{5D987029-FC4C-466A-8643-336E1F3CFEC1}" type="datetimeFigureOut">
               <a:rPr lang="en-IE" smtClean="0"/>
-              <a:t>13/12/2017</a:t>
+              <a:t>14/12/2017</a:t>
             </a:fld>
             <a:endParaRPr lang="en-IE"/>
           </a:p>
@@ -5699,7 +5699,7 @@
           <a:p>
             <a:fld id="{5D987029-FC4C-466A-8643-336E1F3CFEC1}" type="datetimeFigureOut">
               <a:rPr lang="en-IE" smtClean="0"/>
-              <a:t>13/12/2017</a:t>
+              <a:t>14/12/2017</a:t>
             </a:fld>
             <a:endParaRPr lang="en-IE"/>
           </a:p>
@@ -6391,7 +6391,7 @@
           <a:lstStyle/>
           <a:p>
             <a:r>
-              <a:rPr lang="en-IE" cap="none" dirty="0" smtClean="0"/>
+              <a:rPr lang="en-IE" sz="2400" cap="none" dirty="0" smtClean="0"/>
               <a:t>Online System</a:t>
             </a:r>
           </a:p>
@@ -6400,17 +6400,17 @@
               <a:buNone/>
             </a:pPr>
             <a:r>
-              <a:rPr lang="en-IE" cap="none" dirty="0"/>
+              <a:rPr lang="en-IE" sz="2400" cap="none" dirty="0"/>
               <a:t> </a:t>
             </a:r>
             <a:r>
-              <a:rPr lang="en-IE" cap="none" dirty="0" smtClean="0"/>
+              <a:rPr lang="en-IE" sz="2400" cap="none" dirty="0" smtClean="0"/>
               <a:t>             – Enter Customer Details.</a:t>
             </a:r>
           </a:p>
           <a:p>
             <a:r>
-              <a:rPr lang="en-IE" cap="none" dirty="0" smtClean="0">
+              <a:rPr lang="en-IE" sz="2400" cap="none" dirty="0" smtClean="0">
                 <a:latin typeface="Times New Roman" panose="02020603050405020304" pitchFamily="18" charset="0"/>
                 <a:cs typeface="Times New Roman" panose="02020603050405020304" pitchFamily="18" charset="0"/>
               </a:rPr>
@@ -6422,14 +6422,14 @@
               <a:buNone/>
             </a:pPr>
             <a:r>
-              <a:rPr lang="en-IE" cap="none" dirty="0">
+              <a:rPr lang="en-IE" sz="2400" cap="none" dirty="0">
                 <a:latin typeface="Times New Roman" panose="02020603050405020304" pitchFamily="18" charset="0"/>
                 <a:cs typeface="Times New Roman" panose="02020603050405020304" pitchFamily="18" charset="0"/>
               </a:rPr>
               <a:t> </a:t>
             </a:r>
             <a:r>
-              <a:rPr lang="en-IE" cap="none" dirty="0" smtClean="0">
+              <a:rPr lang="en-IE" sz="2400" cap="none" dirty="0" smtClean="0">
                 <a:latin typeface="Times New Roman" panose="02020603050405020304" pitchFamily="18" charset="0"/>
                 <a:cs typeface="Times New Roman" panose="02020603050405020304" pitchFamily="18" charset="0"/>
               </a:rPr>
@@ -6438,7 +6438,7 @@
           </a:p>
           <a:p>
             <a:r>
-              <a:rPr lang="en-IE" cap="none" dirty="0" smtClean="0">
+              <a:rPr lang="en-IE" sz="2400" cap="none" dirty="0" smtClean="0">
                 <a:latin typeface="Times New Roman" panose="02020603050405020304" pitchFamily="18" charset="0"/>
                 <a:cs typeface="Times New Roman" panose="02020603050405020304" pitchFamily="18" charset="0"/>
               </a:rPr>
@@ -6450,7 +6450,7 @@
               <a:buNone/>
             </a:pPr>
             <a:r>
-              <a:rPr lang="en-IE" cap="none" dirty="0" smtClean="0">
+              <a:rPr lang="en-IE" sz="2400" cap="none" dirty="0" smtClean="0">
                 <a:latin typeface="Times New Roman" panose="02020603050405020304" pitchFamily="18" charset="0"/>
                 <a:cs typeface="Times New Roman" panose="02020603050405020304" pitchFamily="18" charset="0"/>
               </a:rPr>
@@ -6504,8 +6504,8 @@
         </p:nvSpPr>
         <p:spPr>
           <a:xfrm>
-            <a:off x="785611" y="1872631"/>
-            <a:ext cx="9994006" cy="5262979"/>
+            <a:off x="875764" y="772732"/>
+            <a:ext cx="9852338" cy="6001643"/>
           </a:xfrm>
           <a:prstGeom prst="rect">
             <a:avLst/>
@@ -6517,106 +6517,131 @@
           </a:bodyPr>
           <a:lstStyle/>
           <a:p>
-            <a:pPr marL="285750" indent="-285750">
+            <a:pPr marL="342900" indent="-342900">
               <a:buFont typeface="Arial" panose="020B0604020202020204" pitchFamily="34" charset="0"/>
               <a:buChar char="•"/>
             </a:pPr>
             <a:r>
               <a:rPr lang="en-IE" sz="2800" dirty="0" smtClean="0"/>
-              <a:t>Take Into Account</a:t>
-            </a:r>
-          </a:p>
-          <a:p>
-            <a:r>
-              <a:rPr lang="en-IE" sz="2800" dirty="0"/>
+              <a:t>  </a:t>
+            </a:r>
+            <a:r>
+              <a:rPr lang="en-IE" sz="2800" b="1" dirty="0" smtClean="0"/>
+              <a:t>Take </a:t>
+            </a:r>
+            <a:r>
+              <a:rPr lang="en-IE" sz="2800" b="1" dirty="0" smtClean="0"/>
+              <a:t>Into </a:t>
+            </a:r>
+            <a:r>
+              <a:rPr lang="en-IE" sz="2800" b="1" dirty="0" smtClean="0"/>
+              <a:t>Account</a:t>
+            </a:r>
+          </a:p>
+          <a:p>
+            <a:pPr marL="342900" indent="-342900">
+              <a:buFont typeface="Arial" panose="020B0604020202020204" pitchFamily="34" charset="0"/>
+              <a:buChar char="•"/>
+            </a:pPr>
+            <a:endParaRPr lang="en-IE" sz="2800" dirty="0" smtClean="0"/>
+          </a:p>
+          <a:p>
+            <a:r>
+              <a:rPr lang="en-IE" sz="2400" dirty="0"/>
               <a:t> </a:t>
             </a:r>
             <a:r>
-              <a:rPr lang="en-IE" sz="2800" dirty="0" smtClean="0"/>
-              <a:t>                 </a:t>
-            </a:r>
-            <a:r>
-              <a:rPr lang="en-IE" sz="2000" dirty="0" smtClean="0"/>
-              <a:t>   - Unusual Personal Details</a:t>
-            </a:r>
-          </a:p>
-          <a:p>
-            <a:r>
-              <a:rPr lang="en-IE" sz="2000" dirty="0" smtClean="0"/>
+              <a:rPr lang="en-IE" sz="2400" dirty="0" smtClean="0"/>
+              <a:t>                   </a:t>
+            </a:r>
+            <a:r>
+              <a:rPr lang="en-IE" sz="2400" dirty="0" smtClean="0"/>
+              <a:t>        </a:t>
+            </a:r>
+            <a:r>
+              <a:rPr lang="en-IE" sz="2400" dirty="0" smtClean="0"/>
+              <a:t>- Unusual Personal Details</a:t>
+            </a:r>
+          </a:p>
+          <a:p>
+            <a:r>
+              <a:rPr lang="en-IE" sz="2400" dirty="0" smtClean="0"/>
               <a:t>                            - Detailed Health Information : Smoker/Non-smoker </a:t>
             </a:r>
           </a:p>
           <a:p>
             <a:r>
-              <a:rPr lang="en-IE" sz="2000" b="1" dirty="0"/>
+              <a:rPr lang="en-IE" sz="2400" b="1" dirty="0"/>
               <a:t> </a:t>
             </a:r>
             <a:r>
-              <a:rPr lang="en-IE" sz="2000" b="1" dirty="0" smtClean="0"/>
+              <a:rPr lang="en-IE" sz="2400" b="1" dirty="0" smtClean="0"/>
               <a:t>             Travelling</a:t>
             </a:r>
           </a:p>
           <a:p>
-            <a:endParaRPr lang="en-IE" sz="2000" b="1" dirty="0" smtClean="0"/>
-          </a:p>
-          <a:p>
-            <a:r>
-              <a:rPr lang="en-IE" sz="2000" dirty="0"/>
+            <a:endParaRPr lang="en-IE" sz="2400" b="1" dirty="0" smtClean="0"/>
+          </a:p>
+          <a:p>
+            <a:r>
+              <a:rPr lang="en-IE" sz="2400" dirty="0"/>
               <a:t> </a:t>
             </a:r>
             <a:r>
-              <a:rPr lang="en-IE" sz="2000" dirty="0" smtClean="0"/>
+              <a:rPr lang="en-IE" sz="2400" dirty="0" smtClean="0"/>
               <a:t>                           - Outside Europe and the US</a:t>
             </a:r>
           </a:p>
           <a:p>
-            <a:endParaRPr lang="en-IE" sz="2000" dirty="0" smtClean="0"/>
-          </a:p>
-          <a:p>
-            <a:r>
-              <a:rPr lang="en-IE" sz="2000" b="1" dirty="0" smtClean="0"/>
+            <a:endParaRPr lang="en-IE" sz="2400" dirty="0" smtClean="0"/>
+          </a:p>
+          <a:p>
+            <a:r>
+              <a:rPr lang="en-IE" sz="2400" b="1" dirty="0" smtClean="0"/>
               <a:t>              Administrator </a:t>
             </a:r>
           </a:p>
           <a:p>
-            <a:endParaRPr lang="en-IE" sz="2000" dirty="0" smtClean="0"/>
-          </a:p>
-          <a:p>
-            <a:r>
-              <a:rPr lang="en-IE" sz="2000" dirty="0"/>
+            <a:endParaRPr lang="en-IE" sz="2400" dirty="0" smtClean="0"/>
+          </a:p>
+          <a:p>
+            <a:r>
+              <a:rPr lang="en-IE" sz="2400" dirty="0"/>
               <a:t> </a:t>
             </a:r>
             <a:r>
-              <a:rPr lang="en-IE" sz="2000" dirty="0" smtClean="0"/>
+              <a:rPr lang="en-IE" sz="2400" dirty="0" smtClean="0"/>
               <a:t>                           - Access Detailed Information</a:t>
             </a:r>
           </a:p>
           <a:p>
             <a:r>
-              <a:rPr lang="en-IE" sz="2000" dirty="0"/>
+              <a:rPr lang="en-IE" sz="2400" dirty="0"/>
               <a:t> </a:t>
             </a:r>
             <a:r>
-              <a:rPr lang="en-IE" sz="2000" dirty="0" smtClean="0"/>
-              <a:t>                           - Edit as Appropriate</a:t>
-            </a:r>
-          </a:p>
-          <a:p>
-            <a:endParaRPr lang="en-IE" sz="2000" dirty="0" smtClean="0"/>
-          </a:p>
-          <a:p>
-            <a:r>
-              <a:rPr lang="en-IE" sz="2000" b="1" dirty="0" smtClean="0"/>
+              <a:rPr lang="en-IE" sz="2400" dirty="0" smtClean="0"/>
+              <a:t>                           - Edit as </a:t>
+            </a:r>
+            <a:r>
+              <a:rPr lang="en-IE" sz="2400" dirty="0" smtClean="0"/>
+              <a:t>Appropriate</a:t>
+            </a:r>
+            <a:endParaRPr lang="en-IE" sz="2400" dirty="0" smtClean="0"/>
+          </a:p>
+          <a:p>
+            <a:r>
+              <a:rPr lang="en-IE" sz="2400" b="1" dirty="0" smtClean="0"/>
               <a:t>               Client             </a:t>
             </a:r>
           </a:p>
           <a:p>
             <a:r>
-              <a:rPr lang="en-IE" sz="2000" dirty="0"/>
+              <a:rPr lang="en-IE" sz="2400" dirty="0"/>
               <a:t> </a:t>
             </a:r>
             <a:r>
-              <a:rPr lang="en-IE" sz="2000" dirty="0" smtClean="0"/>
+              <a:rPr lang="en-IE" sz="2400" dirty="0" smtClean="0"/>
               <a:t>                           -Enter Details Only</a:t>
             </a:r>
           </a:p>
@@ -7013,25 +7038,32 @@
           </a:p>
         </p:txBody>
       </p:sp>
-      <p:sp>
-        <p:nvSpPr>
-          <p:cNvPr id="3" name="Content Placeholder 2"/>
-          <p:cNvSpPr>
-            <a:spLocks noGrp="1"/>
-          </p:cNvSpPr>
+      <p:pic>
+        <p:nvPicPr>
+          <p:cNvPr id="4" name="Content Placeholder 3"/>
+          <p:cNvPicPr>
+            <a:picLocks noGrp="1"/>
+          </p:cNvPicPr>
           <p:nvPr>
             <p:ph sz="quarter" idx="13"/>
           </p:nvPr>
-        </p:nvSpPr>
-        <p:spPr/>
-        <p:txBody>
-          <a:bodyPr/>
-          <a:lstStyle/>
-          <a:p>
-            <a:endParaRPr lang="en-IE" dirty="0"/>
-          </a:p>
-        </p:txBody>
-      </p:sp>
+        </p:nvPicPr>
+        <p:blipFill>
+          <a:blip r:embed="rId2"/>
+          <a:stretch>
+            <a:fillRect/>
+          </a:stretch>
+        </p:blipFill>
+        <p:spPr>
+          <a:xfrm>
+            <a:off x="1674254" y="1803043"/>
+            <a:ext cx="9603971" cy="4288664"/>
+          </a:xfrm>
+          <a:prstGeom prst="rect">
+            <a:avLst/>
+          </a:prstGeom>
+        </p:spPr>
+      </p:pic>
     </p:spTree>
     <p:extLst>
       <p:ext uri="{BB962C8B-B14F-4D97-AF65-F5344CB8AC3E}">
